--- a/report/Metropolis Hastings Sampling Algorithm.pptx
+++ b/report/Metropolis Hastings Sampling Algorithm.pptx
@@ -104,6 +104,11 @@
       </a:defRPr>
     </a:lvl9pPr>
   </p:defaultTextStyle>
+  <p:extLst>
+    <p:ext uri="{EFAFB233-063F-42B5-8137-9DF3F51BA10A}">
+      <p15:sldGuideLst xmlns:p15="http://schemas.microsoft.com/office/powerpoint/2012/main"/>
+    </p:ext>
+  </p:extLst>
 </p:presentation>
 </file>
 
@@ -3837,8 +3842,8 @@
           </a:p>
         </p:txBody>
       </p:sp>
-      <mc:AlternateContent xmlns:mc="http://schemas.openxmlformats.org/markup-compatibility/2006">
-        <mc:Choice xmlns:a14="http://schemas.microsoft.com/office/drawing/2010/main" Requires="a14">
+      <mc:AlternateContent xmlns:mc="http://schemas.openxmlformats.org/markup-compatibility/2006" xmlns:a14="http://schemas.microsoft.com/office/drawing/2010/main">
+        <mc:Choice Requires="a14">
           <p:sp>
             <p:nvSpPr>
               <p:cNvPr id="8" name="文本框 7">
@@ -3867,6 +3872,7 @@
               </a:bodyPr>
               <a:lstStyle/>
               <a:p>
+                <a:pPr/>
                 <a14:m>
                   <m:oMathPara xmlns:m="http://schemas.openxmlformats.org/officeDocument/2006/math">
                     <m:oMathParaPr>
@@ -3905,7 +3911,7 @@
             </p:txBody>
           </p:sp>
         </mc:Choice>
-        <mc:Fallback>
+        <mc:Fallback xmlns="">
           <p:sp>
             <p:nvSpPr>
               <p:cNvPr id="8" name="文本框 7">
@@ -3950,8 +3956,8 @@
           </p:sp>
         </mc:Fallback>
       </mc:AlternateContent>
-      <mc:AlternateContent xmlns:mc="http://schemas.openxmlformats.org/markup-compatibility/2006">
-        <mc:Choice xmlns:a14="http://schemas.microsoft.com/office/drawing/2010/main" Requires="a14">
+      <mc:AlternateContent xmlns:mc="http://schemas.openxmlformats.org/markup-compatibility/2006" xmlns:a14="http://schemas.microsoft.com/office/drawing/2010/main">
+        <mc:Choice Requires="a14">
           <p:sp>
             <p:nvSpPr>
               <p:cNvPr id="9" name="文本框 8">
@@ -3980,6 +3986,7 @@
               </a:bodyPr>
               <a:lstStyle/>
               <a:p>
+                <a:pPr/>
                 <a14:m>
                   <m:oMathPara xmlns:m="http://schemas.openxmlformats.org/officeDocument/2006/math">
                     <m:oMathParaPr>
@@ -4000,7 +4007,7 @@
             </p:txBody>
           </p:sp>
         </mc:Choice>
-        <mc:Fallback>
+        <mc:Fallback xmlns="">
           <p:sp>
             <p:nvSpPr>
               <p:cNvPr id="9" name="文本框 8">
@@ -4045,8 +4052,8 @@
           </p:sp>
         </mc:Fallback>
       </mc:AlternateContent>
-      <mc:AlternateContent xmlns:mc="http://schemas.openxmlformats.org/markup-compatibility/2006">
-        <mc:Choice xmlns:a14="http://schemas.microsoft.com/office/drawing/2010/main" Requires="a14">
+      <mc:AlternateContent xmlns:mc="http://schemas.openxmlformats.org/markup-compatibility/2006" xmlns:a14="http://schemas.microsoft.com/office/drawing/2010/main">
+        <mc:Choice Requires="a14">
           <p:sp>
             <p:nvSpPr>
               <p:cNvPr id="22" name="文本框 21">
@@ -4075,6 +4082,7 @@
               </a:bodyPr>
               <a:lstStyle/>
               <a:p>
+                <a:pPr/>
                 <a14:m>
                   <m:oMathPara xmlns:m="http://schemas.openxmlformats.org/officeDocument/2006/math">
                     <m:oMathParaPr>
@@ -4095,7 +4103,7 @@
             </p:txBody>
           </p:sp>
         </mc:Choice>
-        <mc:Fallback>
+        <mc:Fallback xmlns="">
           <p:sp>
             <p:nvSpPr>
               <p:cNvPr id="22" name="文本框 21">
@@ -5090,10 +5098,10 @@
                 <a14:m>
                   <m:oMath xmlns:m="http://schemas.openxmlformats.org/officeDocument/2006/math">
                     <m:r>
-                      <a:rPr lang="en-US" altLang="zh-CN" sz="800" b="0" i="1" smtClean="0">
+                      <a:rPr lang="zh-CN" altLang="en-US" sz="800" b="0" i="1" smtClean="0">
                         <a:latin typeface="Cambria Math" panose="02040503050406030204" pitchFamily="18" charset="0"/>
                       </a:rPr>
-                      <m:t>𝑄</m:t>
+                      <m:t>𝜃</m:t>
                     </m:r>
                   </m:oMath>
                 </a14:m>
@@ -5150,8 +5158,8 @@
           </p:sp>
         </mc:Fallback>
       </mc:AlternateContent>
-      <mc:AlternateContent xmlns:mc="http://schemas.openxmlformats.org/markup-compatibility/2006">
-        <mc:Choice xmlns:a14="http://schemas.microsoft.com/office/drawing/2010/main" Requires="a14">
+      <mc:AlternateContent xmlns:mc="http://schemas.openxmlformats.org/markup-compatibility/2006" xmlns:a14="http://schemas.microsoft.com/office/drawing/2010/main">
+        <mc:Choice Requires="a14">
           <p:sp>
             <p:nvSpPr>
               <p:cNvPr id="26" name="文本框 25">
@@ -5198,7 +5206,7 @@
             </p:txBody>
           </p:sp>
         </mc:Choice>
-        <mc:Fallback>
+        <mc:Fallback xmlns="">
           <p:sp>
             <p:nvSpPr>
               <p:cNvPr id="26" name="文本框 25">
@@ -5445,8 +5453,8 @@
           </a:p>
         </p:txBody>
       </p:sp>
-      <mc:AlternateContent xmlns:mc="http://schemas.openxmlformats.org/markup-compatibility/2006">
-        <mc:Choice xmlns:a14="http://schemas.microsoft.com/office/drawing/2010/main" Requires="a14">
+      <mc:AlternateContent xmlns:mc="http://schemas.openxmlformats.org/markup-compatibility/2006" xmlns:a14="http://schemas.microsoft.com/office/drawing/2010/main">
+        <mc:Choice Requires="a14">
           <p:sp>
             <p:nvSpPr>
               <p:cNvPr id="33" name="文本框 32">
@@ -5475,6 +5483,7 @@
               </a:bodyPr>
               <a:lstStyle/>
               <a:p>
+                <a:pPr/>
                 <a14:m>
                   <m:oMathPara xmlns:m="http://schemas.openxmlformats.org/officeDocument/2006/math">
                     <m:oMathParaPr>
@@ -5514,7 +5523,7 @@
             </p:txBody>
           </p:sp>
         </mc:Choice>
-        <mc:Fallback>
+        <mc:Fallback xmlns="">
           <p:sp>
             <p:nvSpPr>
               <p:cNvPr id="33" name="文本框 32">
@@ -5559,8 +5568,8 @@
           </p:sp>
         </mc:Fallback>
       </mc:AlternateContent>
-      <mc:AlternateContent xmlns:mc="http://schemas.openxmlformats.org/markup-compatibility/2006">
-        <mc:Choice xmlns:a14="http://schemas.microsoft.com/office/drawing/2010/main" Requires="a14">
+      <mc:AlternateContent xmlns:mc="http://schemas.openxmlformats.org/markup-compatibility/2006" xmlns:a14="http://schemas.microsoft.com/office/drawing/2010/main">
+        <mc:Choice Requires="a14">
           <p:sp>
             <p:nvSpPr>
               <p:cNvPr id="34" name="文本框 33">
@@ -5589,6 +5598,7 @@
               </a:bodyPr>
               <a:lstStyle/>
               <a:p>
+                <a:pPr/>
                 <a14:m>
                   <m:oMathPara xmlns:m="http://schemas.openxmlformats.org/officeDocument/2006/math">
                     <m:oMathParaPr>
@@ -5667,7 +5677,7 @@
             </p:txBody>
           </p:sp>
         </mc:Choice>
-        <mc:Fallback>
+        <mc:Fallback xmlns="">
           <p:sp>
             <p:nvSpPr>
               <p:cNvPr id="34" name="文本框 33">
@@ -5968,8 +5978,8 @@
           </a:fontRef>
         </p:style>
       </p:cxnSp>
-      <mc:AlternateContent xmlns:mc="http://schemas.openxmlformats.org/markup-compatibility/2006">
-        <mc:Choice xmlns:a14="http://schemas.microsoft.com/office/drawing/2010/main" Requires="a14">
+      <mc:AlternateContent xmlns:mc="http://schemas.openxmlformats.org/markup-compatibility/2006" xmlns:a14="http://schemas.microsoft.com/office/drawing/2010/main">
+        <mc:Choice Requires="a14">
           <p:sp>
             <p:nvSpPr>
               <p:cNvPr id="49" name="文本框 48">
@@ -5998,6 +6008,7 @@
               </a:bodyPr>
               <a:lstStyle/>
               <a:p>
+                <a:pPr/>
                 <a14:m>
                   <m:oMathPara xmlns:m="http://schemas.openxmlformats.org/officeDocument/2006/math">
                     <m:oMathParaPr>
@@ -6068,7 +6079,7 @@
             </p:txBody>
           </p:sp>
         </mc:Choice>
-        <mc:Fallback>
+        <mc:Fallback xmlns="">
           <p:sp>
             <p:nvSpPr>
               <p:cNvPr id="49" name="文本框 48">
@@ -6113,8 +6124,8 @@
           </p:sp>
         </mc:Fallback>
       </mc:AlternateContent>
-      <mc:AlternateContent xmlns:mc="http://schemas.openxmlformats.org/markup-compatibility/2006">
-        <mc:Choice xmlns:a14="http://schemas.microsoft.com/office/drawing/2010/main" Requires="a14">
+      <mc:AlternateContent xmlns:mc="http://schemas.openxmlformats.org/markup-compatibility/2006" xmlns:a14="http://schemas.microsoft.com/office/drawing/2010/main">
+        <mc:Choice Requires="a14">
           <p:sp>
             <p:nvSpPr>
               <p:cNvPr id="52" name="文本框 51">
@@ -6143,6 +6154,7 @@
               </a:bodyPr>
               <a:lstStyle/>
               <a:p>
+                <a:pPr/>
                 <a14:m>
                   <m:oMathPara xmlns:m="http://schemas.openxmlformats.org/officeDocument/2006/math">
                     <m:oMathParaPr>
@@ -6163,7 +6175,7 @@
             </p:txBody>
           </p:sp>
         </mc:Choice>
-        <mc:Fallback>
+        <mc:Fallback xmlns="">
           <p:sp>
             <p:nvSpPr>
               <p:cNvPr id="52" name="文本框 51">
@@ -6448,10 +6460,10 @@
                 <a14:m>
                   <m:oMath xmlns:m="http://schemas.openxmlformats.org/officeDocument/2006/math">
                     <m:r>
-                      <a:rPr lang="en-US" altLang="zh-CN" sz="800" i="1" dirty="0">
+                      <a:rPr lang="zh-CN" altLang="en-US" sz="800" i="1">
                         <a:latin typeface="Cambria Math" panose="02040503050406030204" pitchFamily="18" charset="0"/>
                       </a:rPr>
-                      <m:t>𝑄</m:t>
+                      <m:t>𝜃</m:t>
                     </m:r>
                   </m:oMath>
                 </a14:m>
@@ -6722,8 +6734,8 @@
           </p:sp>
         </mc:Fallback>
       </mc:AlternateContent>
-      <mc:AlternateContent xmlns:mc="http://schemas.openxmlformats.org/markup-compatibility/2006">
-        <mc:Choice xmlns:a14="http://schemas.microsoft.com/office/drawing/2010/main" Requires="a14">
+      <mc:AlternateContent xmlns:mc="http://schemas.openxmlformats.org/markup-compatibility/2006" xmlns:a14="http://schemas.microsoft.com/office/drawing/2010/main">
+        <mc:Choice Requires="a14">
           <p:sp>
             <p:nvSpPr>
               <p:cNvPr id="62" name="文本框 61">
@@ -6752,6 +6764,7 @@
               </a:bodyPr>
               <a:lstStyle/>
               <a:p>
+                <a:pPr/>
                 <a14:m>
                   <m:oMathPara xmlns:m="http://schemas.openxmlformats.org/officeDocument/2006/math">
                     <m:oMathParaPr>
@@ -6799,7 +6812,7 @@
             </p:txBody>
           </p:sp>
         </mc:Choice>
-        <mc:Fallback>
+        <mc:Fallback xmlns="">
           <p:sp>
             <p:nvSpPr>
               <p:cNvPr id="62" name="文本框 61">
@@ -6881,10 +6894,10 @@
                 <a14:m>
                   <m:oMath xmlns:m="http://schemas.openxmlformats.org/officeDocument/2006/math">
                     <m:r>
-                      <a:rPr lang="en-US" altLang="zh-CN" sz="800" i="1" dirty="0">
+                      <a:rPr lang="zh-CN" altLang="en-US" sz="800" i="1">
                         <a:latin typeface="Cambria Math" panose="02040503050406030204" pitchFamily="18" charset="0"/>
                       </a:rPr>
-                      <m:t>𝑄</m:t>
+                      <m:t>𝜃</m:t>
                     </m:r>
                   </m:oMath>
                 </a14:m>
@@ -7147,8 +7160,8 @@
           </p:sp>
         </mc:Fallback>
       </mc:AlternateContent>
-      <mc:AlternateContent xmlns:mc="http://schemas.openxmlformats.org/markup-compatibility/2006">
-        <mc:Choice xmlns:a14="http://schemas.microsoft.com/office/drawing/2010/main" Requires="a14">
+      <mc:AlternateContent xmlns:mc="http://schemas.openxmlformats.org/markup-compatibility/2006" xmlns:a14="http://schemas.microsoft.com/office/drawing/2010/main">
+        <mc:Choice Requires="a14">
           <p:sp>
             <p:nvSpPr>
               <p:cNvPr id="65" name="文本框 64">
@@ -7177,6 +7190,7 @@
               </a:bodyPr>
               <a:lstStyle/>
               <a:p>
+                <a:pPr/>
                 <a14:m>
                   <m:oMathPara xmlns:m="http://schemas.openxmlformats.org/officeDocument/2006/math">
                     <m:oMathParaPr>
@@ -7197,7 +7211,7 @@
             </p:txBody>
           </p:sp>
         </mc:Choice>
-        <mc:Fallback>
+        <mc:Fallback xmlns="">
           <p:sp>
             <p:nvSpPr>
               <p:cNvPr id="65" name="文本框 64">
@@ -7545,8 +7559,8 @@
           </a:fontRef>
         </p:style>
       </p:cxnSp>
-      <mc:AlternateContent xmlns:mc="http://schemas.openxmlformats.org/markup-compatibility/2006">
-        <mc:Choice xmlns:a14="http://schemas.microsoft.com/office/drawing/2010/main" Requires="a14">
+      <mc:AlternateContent xmlns:mc="http://schemas.openxmlformats.org/markup-compatibility/2006" xmlns:a14="http://schemas.microsoft.com/office/drawing/2010/main">
+        <mc:Choice Requires="a14">
           <p:sp>
             <p:nvSpPr>
               <p:cNvPr id="85" name="文本框 84">
@@ -7575,6 +7589,7 @@
               </a:bodyPr>
               <a:lstStyle/>
               <a:p>
+                <a:pPr/>
                 <a14:m>
                   <m:oMathPara xmlns:m="http://schemas.openxmlformats.org/officeDocument/2006/math">
                     <m:oMathParaPr>
@@ -7595,7 +7610,7 @@
             </p:txBody>
           </p:sp>
         </mc:Choice>
-        <mc:Fallback>
+        <mc:Fallback xmlns="">
           <p:sp>
             <p:nvSpPr>
               <p:cNvPr id="85" name="文本框 84">
@@ -7684,8 +7699,8 @@
           </a:fontRef>
         </p:style>
       </p:cxnSp>
-      <mc:AlternateContent xmlns:mc="http://schemas.openxmlformats.org/markup-compatibility/2006">
-        <mc:Choice xmlns:a14="http://schemas.microsoft.com/office/drawing/2010/main" Requires="a14">
+      <mc:AlternateContent xmlns:mc="http://schemas.openxmlformats.org/markup-compatibility/2006" xmlns:a14="http://schemas.microsoft.com/office/drawing/2010/main">
+        <mc:Choice Requires="a14">
           <p:sp>
             <p:nvSpPr>
               <p:cNvPr id="86" name="文本框 85">
@@ -7714,6 +7729,7 @@
               </a:bodyPr>
               <a:lstStyle/>
               <a:p>
+                <a:pPr/>
                 <a14:m>
                   <m:oMathPara xmlns:m="http://schemas.openxmlformats.org/officeDocument/2006/math">
                     <m:oMathParaPr>
@@ -7752,7 +7768,7 @@
             </p:txBody>
           </p:sp>
         </mc:Choice>
-        <mc:Fallback>
+        <mc:Fallback xmlns="">
           <p:sp>
             <p:nvSpPr>
               <p:cNvPr id="86" name="文本框 85">
@@ -8132,8 +8148,8 @@
           </a:fontRef>
         </p:style>
       </p:cxnSp>
-      <mc:AlternateContent xmlns:mc="http://schemas.openxmlformats.org/markup-compatibility/2006">
-        <mc:Choice xmlns:a14="http://schemas.microsoft.com/office/drawing/2010/main" Requires="a14">
+      <mc:AlternateContent xmlns:mc="http://schemas.openxmlformats.org/markup-compatibility/2006" xmlns:a14="http://schemas.microsoft.com/office/drawing/2010/main">
+        <mc:Choice Requires="a14">
           <p:sp>
             <p:nvSpPr>
               <p:cNvPr id="103" name="文本框 102">
@@ -8217,14 +8233,14 @@
                       <m:sSubPr>
                         <m:ctrlPr>
                           <a:rPr lang="en-US" altLang="zh-CN" sz="1000" i="1" dirty="0" smtClean="0">
-                            <a:latin typeface="+mn-ea"/>
+                            <a:latin typeface="Cambria Math" panose="02040503050406030204" pitchFamily="18" charset="0"/>
                           </a:rPr>
                         </m:ctrlPr>
                       </m:sSubPr>
                       <m:e>
                         <m:r>
                           <a:rPr lang="en-US" altLang="zh-CN" sz="1000" b="0" i="1" dirty="0" smtClean="0">
-                            <a:latin typeface="+mn-ea"/>
+                            <a:latin typeface="Cambria Math" panose="02040503050406030204" pitchFamily="18" charset="0"/>
                           </a:rPr>
                           <m:t>𝑥</m:t>
                         </m:r>
@@ -8232,7 +8248,7 @@
                       <m:sub>
                         <m:r>
                           <a:rPr lang="en-US" altLang="zh-CN" sz="1000" b="0" i="1" dirty="0" smtClean="0">
-                            <a:latin typeface="+mn-ea"/>
+                            <a:latin typeface="Cambria Math" panose="02040503050406030204" pitchFamily="18" charset="0"/>
                           </a:rPr>
                           <m:t>𝑖</m:t>
                         </m:r>
@@ -8240,7 +8256,7 @@
                     </m:sSub>
                     <m:r>
                       <a:rPr lang="en-US" altLang="zh-CN" sz="1000" b="0" i="0" dirty="0" smtClean="0">
-                        <a:latin typeface="+mn-ea"/>
+                        <a:latin typeface="Cambria Math" panose="02040503050406030204" pitchFamily="18" charset="0"/>
                       </a:rPr>
                       <m:t>,</m:t>
                     </m:r>
@@ -8248,14 +8264,14 @@
                       <m:sSubPr>
                         <m:ctrlPr>
                           <a:rPr lang="en-US" altLang="zh-CN" sz="1000" i="1" dirty="0" smtClean="0">
-                            <a:latin typeface="+mn-ea"/>
+                            <a:latin typeface="Cambria Math" panose="02040503050406030204" pitchFamily="18" charset="0"/>
                           </a:rPr>
                         </m:ctrlPr>
                       </m:sSubPr>
                       <m:e>
                         <m:r>
                           <a:rPr lang="en-US" altLang="zh-CN" sz="1000" b="0" i="1" dirty="0" smtClean="0">
-                            <a:latin typeface="+mn-ea"/>
+                            <a:latin typeface="Cambria Math" panose="02040503050406030204" pitchFamily="18" charset="0"/>
                           </a:rPr>
                           <m:t>𝑥</m:t>
                         </m:r>
@@ -8263,7 +8279,7 @@
                       <m:sub>
                         <m:r>
                           <a:rPr lang="en-US" altLang="zh-CN" sz="1000" b="0" i="1" dirty="0" smtClean="0">
-                            <a:latin typeface="+mn-ea"/>
+                            <a:latin typeface="Cambria Math" panose="02040503050406030204" pitchFamily="18" charset="0"/>
                           </a:rPr>
                           <m:t>𝑗</m:t>
                         </m:r>
@@ -8283,14 +8299,14 @@
                       <m:sSubPr>
                         <m:ctrlPr>
                           <a:rPr lang="en-US" altLang="zh-CN" sz="1000" i="1" smtClean="0">
-                            <a:latin typeface="+mn-ea"/>
+                            <a:latin typeface="Cambria Math" panose="02040503050406030204" pitchFamily="18" charset="0"/>
                           </a:rPr>
                         </m:ctrlPr>
                       </m:sSubPr>
                       <m:e>
                         <m:r>
                           <a:rPr lang="zh-CN" altLang="en-US" sz="1000" i="1" smtClean="0">
-                            <a:latin typeface="+mn-ea"/>
+                            <a:latin typeface="Cambria Math" panose="02040503050406030204" pitchFamily="18" charset="0"/>
                           </a:rPr>
                           <m:t>𝜋</m:t>
                         </m:r>
@@ -8298,7 +8314,7 @@
                       <m:sub>
                         <m:r>
                           <a:rPr lang="en-US" altLang="zh-CN" sz="1000" b="0" i="1" smtClean="0">
-                            <a:latin typeface="+mn-ea"/>
+                            <a:latin typeface="Cambria Math" panose="02040503050406030204" pitchFamily="18" charset="0"/>
                           </a:rPr>
                           <m:t>𝑖</m:t>
                         </m:r>
@@ -8308,14 +8324,14 @@
                       <m:sSubPr>
                         <m:ctrlPr>
                           <a:rPr lang="en-US" altLang="zh-CN" sz="1000" i="1" smtClean="0">
-                            <a:latin typeface="+mn-ea"/>
+                            <a:latin typeface="Cambria Math" panose="02040503050406030204" pitchFamily="18" charset="0"/>
                           </a:rPr>
                         </m:ctrlPr>
                       </m:sSubPr>
                       <m:e>
                         <m:r>
                           <a:rPr lang="zh-CN" altLang="en-US" sz="1000" b="0" i="1" smtClean="0">
-                            <a:latin typeface="+mn-ea"/>
+                            <a:latin typeface="Cambria Math" panose="02040503050406030204" pitchFamily="18" charset="0"/>
                           </a:rPr>
                           <m:t>𝛼</m:t>
                         </m:r>
@@ -8323,19 +8339,19 @@
                       <m:sub>
                         <m:r>
                           <a:rPr lang="en-US" altLang="zh-CN" sz="1000" b="0" i="1" smtClean="0">
-                            <a:latin typeface="+mn-ea"/>
+                            <a:latin typeface="Cambria Math" panose="02040503050406030204" pitchFamily="18" charset="0"/>
                           </a:rPr>
                           <m:t>𝑖</m:t>
                         </m:r>
                         <m:r>
                           <a:rPr lang="en-US" altLang="zh-CN" sz="1000" b="0" i="1" smtClean="0">
-                            <a:latin typeface="+mn-ea"/>
+                            <a:latin typeface="Cambria Math" panose="02040503050406030204" pitchFamily="18" charset="0"/>
                           </a:rPr>
                           <m:t>,</m:t>
                         </m:r>
                         <m:r>
                           <a:rPr lang="en-US" altLang="zh-CN" sz="1000" b="0" i="1" smtClean="0">
-                            <a:latin typeface="+mn-ea"/>
+                            <a:latin typeface="Cambria Math" panose="02040503050406030204" pitchFamily="18" charset="0"/>
                           </a:rPr>
                           <m:t>𝑗</m:t>
                         </m:r>
@@ -8345,14 +8361,14 @@
                       <m:sSubPr>
                         <m:ctrlPr>
                           <a:rPr lang="en-US" altLang="zh-CN" sz="1000" i="1" smtClean="0">
-                            <a:latin typeface="+mn-ea"/>
+                            <a:latin typeface="Cambria Math" panose="02040503050406030204" pitchFamily="18" charset="0"/>
                           </a:rPr>
                         </m:ctrlPr>
                       </m:sSubPr>
                       <m:e>
                         <m:r>
                           <a:rPr lang="en-US" altLang="zh-CN" sz="1000" b="0" i="1" smtClean="0">
-                            <a:latin typeface="+mn-ea"/>
+                            <a:latin typeface="Cambria Math" panose="02040503050406030204" pitchFamily="18" charset="0"/>
                           </a:rPr>
                           <m:t>𝑞</m:t>
                         </m:r>
@@ -8360,19 +8376,19 @@
                       <m:sub>
                         <m:r>
                           <a:rPr lang="en-US" altLang="zh-CN" sz="1000" b="0" i="1" smtClean="0">
-                            <a:latin typeface="+mn-ea"/>
+                            <a:latin typeface="Cambria Math" panose="02040503050406030204" pitchFamily="18" charset="0"/>
                           </a:rPr>
                           <m:t>𝑖</m:t>
                         </m:r>
                         <m:r>
                           <a:rPr lang="en-US" altLang="zh-CN" sz="1000" b="0" i="1" smtClean="0">
-                            <a:latin typeface="+mn-ea"/>
+                            <a:latin typeface="Cambria Math" panose="02040503050406030204" pitchFamily="18" charset="0"/>
                           </a:rPr>
                           <m:t>,</m:t>
                         </m:r>
                         <m:r>
                           <a:rPr lang="en-US" altLang="zh-CN" sz="1000" b="0" i="1" smtClean="0">
-                            <a:latin typeface="+mn-ea"/>
+                            <a:latin typeface="Cambria Math" panose="02040503050406030204" pitchFamily="18" charset="0"/>
                           </a:rPr>
                           <m:t>𝑗</m:t>
                         </m:r>
@@ -8380,7 +8396,7 @@
                     </m:sSub>
                     <m:r>
                       <a:rPr lang="en-US" altLang="zh-CN" sz="1000" b="0" i="1" smtClean="0">
-                        <a:latin typeface="+mn-ea"/>
+                        <a:latin typeface="Cambria Math" panose="02040503050406030204" pitchFamily="18" charset="0"/>
                       </a:rPr>
                       <m:t>=</m:t>
                     </m:r>
@@ -8388,14 +8404,14 @@
                       <m:sSubPr>
                         <m:ctrlPr>
                           <a:rPr lang="en-US" altLang="zh-CN" sz="1000" i="1">
-                            <a:latin typeface="+mn-ea"/>
+                            <a:latin typeface="Cambria Math" panose="02040503050406030204" pitchFamily="18" charset="0"/>
                           </a:rPr>
                         </m:ctrlPr>
                       </m:sSubPr>
                       <m:e>
                         <m:r>
                           <a:rPr lang="zh-CN" altLang="en-US" sz="1000" i="1" smtClean="0">
-                            <a:latin typeface="+mn-ea"/>
+                            <a:latin typeface="Cambria Math" panose="02040503050406030204" pitchFamily="18" charset="0"/>
                           </a:rPr>
                           <m:t>𝜋</m:t>
                         </m:r>
@@ -8403,7 +8419,7 @@
                       <m:sub>
                         <m:r>
                           <a:rPr lang="en-US" altLang="zh-CN" sz="1000" b="0" i="1" smtClean="0">
-                            <a:latin typeface="+mn-ea"/>
+                            <a:latin typeface="Cambria Math" panose="02040503050406030204" pitchFamily="18" charset="0"/>
                           </a:rPr>
                           <m:t>𝑗</m:t>
                         </m:r>
@@ -8413,14 +8429,14 @@
                       <m:sSubPr>
                         <m:ctrlPr>
                           <a:rPr lang="en-US" altLang="zh-CN" sz="1000" i="1">
-                            <a:latin typeface="+mn-ea"/>
+                            <a:latin typeface="Cambria Math" panose="02040503050406030204" pitchFamily="18" charset="0"/>
                           </a:rPr>
                         </m:ctrlPr>
                       </m:sSubPr>
                       <m:e>
                         <m:r>
                           <a:rPr lang="zh-CN" altLang="en-US" sz="1000" b="0" i="1">
-                            <a:latin typeface="+mn-ea"/>
+                            <a:latin typeface="Cambria Math" panose="02040503050406030204" pitchFamily="18" charset="0"/>
                           </a:rPr>
                           <m:t>𝛼</m:t>
                         </m:r>
@@ -8428,19 +8444,19 @@
                       <m:sub>
                         <m:r>
                           <a:rPr lang="en-US" altLang="zh-CN" sz="1000" b="0" i="1" smtClean="0">
-                            <a:latin typeface="+mn-ea"/>
+                            <a:latin typeface="Cambria Math" panose="02040503050406030204" pitchFamily="18" charset="0"/>
                           </a:rPr>
                           <m:t>𝑗</m:t>
                         </m:r>
                         <m:r>
                           <a:rPr lang="en-US" altLang="zh-CN" sz="1000" b="0" i="1">
-                            <a:latin typeface="+mn-ea"/>
+                            <a:latin typeface="Cambria Math" panose="02040503050406030204" pitchFamily="18" charset="0"/>
                           </a:rPr>
                           <m:t>,</m:t>
                         </m:r>
                         <m:r>
                           <a:rPr lang="en-US" altLang="zh-CN" sz="1000" b="0" i="1" smtClean="0">
-                            <a:latin typeface="+mn-ea"/>
+                            <a:latin typeface="Cambria Math" panose="02040503050406030204" pitchFamily="18" charset="0"/>
                           </a:rPr>
                           <m:t>𝑖</m:t>
                         </m:r>
@@ -8450,14 +8466,14 @@
                       <m:sSubPr>
                         <m:ctrlPr>
                           <a:rPr lang="en-US" altLang="zh-CN" sz="1000" i="1">
-                            <a:latin typeface="+mn-ea"/>
+                            <a:latin typeface="Cambria Math" panose="02040503050406030204" pitchFamily="18" charset="0"/>
                           </a:rPr>
                         </m:ctrlPr>
                       </m:sSubPr>
                       <m:e>
                         <m:r>
                           <a:rPr lang="en-US" altLang="zh-CN" sz="1000" b="0" i="1">
-                            <a:latin typeface="+mn-ea"/>
+                            <a:latin typeface="Cambria Math" panose="02040503050406030204" pitchFamily="18" charset="0"/>
                           </a:rPr>
                           <m:t>𝑞</m:t>
                         </m:r>
@@ -8465,19 +8481,19 @@
                       <m:sub>
                         <m:r>
                           <a:rPr lang="en-US" altLang="zh-CN" sz="1000" b="0" i="1" smtClean="0">
-                            <a:latin typeface="+mn-ea"/>
+                            <a:latin typeface="Cambria Math" panose="02040503050406030204" pitchFamily="18" charset="0"/>
                           </a:rPr>
                           <m:t>𝑗</m:t>
                         </m:r>
                         <m:r>
                           <a:rPr lang="en-US" altLang="zh-CN" sz="1000" b="0" i="1">
-                            <a:latin typeface="+mn-ea"/>
+                            <a:latin typeface="Cambria Math" panose="02040503050406030204" pitchFamily="18" charset="0"/>
                           </a:rPr>
                           <m:t>,</m:t>
                         </m:r>
                         <m:r>
                           <a:rPr lang="en-US" altLang="zh-CN" sz="1000" b="0" i="1" smtClean="0">
-                            <a:latin typeface="+mn-ea"/>
+                            <a:latin typeface="Cambria Math" panose="02040503050406030204" pitchFamily="18" charset="0"/>
                           </a:rPr>
                           <m:t>𝑖</m:t>
                         </m:r>
@@ -8512,7 +8528,7 @@
                       <m:sSubPr>
                         <m:ctrlPr>
                           <a:rPr lang="en-US" altLang="zh-CN" sz="1000" i="1">
-                            <a:latin typeface="+mn-ea"/>
+                            <a:latin typeface="Cambria Math" panose="02040503050406030204" pitchFamily="18" charset="0"/>
                           </a:rPr>
                         </m:ctrlPr>
                       </m:sSubPr>
@@ -8522,14 +8538,14 @@
                             <m:chr m:val="̂"/>
                             <m:ctrlPr>
                               <a:rPr lang="en-US" altLang="zh-CN" sz="1000" i="1">
-                                <a:latin typeface="+mn-ea"/>
+                                <a:latin typeface="Cambria Math" panose="02040503050406030204" pitchFamily="18" charset="0"/>
                               </a:rPr>
                             </m:ctrlPr>
                           </m:accPr>
                           <m:e>
                             <m:r>
                               <a:rPr lang="en-US" altLang="zh-CN" sz="1000" i="1">
-                                <a:latin typeface="+mn-ea"/>
+                                <a:latin typeface="Cambria Math" panose="02040503050406030204" pitchFamily="18" charset="0"/>
                               </a:rPr>
                               <m:t>𝑝</m:t>
                             </m:r>
@@ -8539,19 +8555,19 @@
                       <m:sub>
                         <m:r>
                           <a:rPr lang="en-US" altLang="zh-CN" sz="1000" i="1">
-                            <a:latin typeface="+mn-ea"/>
+                            <a:latin typeface="Cambria Math" panose="02040503050406030204" pitchFamily="18" charset="0"/>
                           </a:rPr>
                           <m:t>𝑖</m:t>
                         </m:r>
                         <m:r>
                           <a:rPr lang="en-US" altLang="zh-CN" sz="1000" i="1">
-                            <a:latin typeface="+mn-ea"/>
+                            <a:latin typeface="Cambria Math" panose="02040503050406030204" pitchFamily="18" charset="0"/>
                           </a:rPr>
                           <m:t>,</m:t>
                         </m:r>
                         <m:r>
                           <a:rPr lang="en-US" altLang="zh-CN" sz="1000" i="1">
-                            <a:latin typeface="+mn-ea"/>
+                            <a:latin typeface="Cambria Math" panose="02040503050406030204" pitchFamily="18" charset="0"/>
                           </a:rPr>
                           <m:t>𝑗</m:t>
                         </m:r>
@@ -8559,7 +8575,7 @@
                     </m:sSub>
                     <m:r>
                       <a:rPr lang="en-US" altLang="zh-CN" sz="1000" i="1">
-                        <a:latin typeface="+mn-ea"/>
+                        <a:latin typeface="Cambria Math" panose="02040503050406030204" pitchFamily="18" charset="0"/>
                       </a:rPr>
                       <m:t>=</m:t>
                     </m:r>
@@ -8567,14 +8583,14 @@
                       <m:sSubPr>
                         <m:ctrlPr>
                           <a:rPr lang="en-US" altLang="zh-CN" sz="1000" i="1">
-                            <a:latin typeface="+mn-ea"/>
+                            <a:latin typeface="Cambria Math" panose="02040503050406030204" pitchFamily="18" charset="0"/>
                           </a:rPr>
                         </m:ctrlPr>
                       </m:sSubPr>
                       <m:e>
                         <m:r>
                           <a:rPr lang="zh-CN" altLang="en-US" sz="1000" i="1">
-                            <a:latin typeface="+mn-ea"/>
+                            <a:latin typeface="Cambria Math" panose="02040503050406030204" pitchFamily="18" charset="0"/>
                           </a:rPr>
                           <m:t>𝛼</m:t>
                         </m:r>
@@ -8582,19 +8598,19 @@
                       <m:sub>
                         <m:r>
                           <a:rPr lang="en-US" altLang="zh-CN" sz="1000" i="1">
-                            <a:latin typeface="+mn-ea"/>
+                            <a:latin typeface="Cambria Math" panose="02040503050406030204" pitchFamily="18" charset="0"/>
                           </a:rPr>
                           <m:t>𝑖</m:t>
                         </m:r>
                         <m:r>
                           <a:rPr lang="en-US" altLang="zh-CN" sz="1000" i="1">
-                            <a:latin typeface="+mn-ea"/>
+                            <a:latin typeface="Cambria Math" panose="02040503050406030204" pitchFamily="18" charset="0"/>
                           </a:rPr>
                           <m:t>,</m:t>
                         </m:r>
                         <m:r>
                           <a:rPr lang="en-US" altLang="zh-CN" sz="1000" i="1">
-                            <a:latin typeface="+mn-ea"/>
+                            <a:latin typeface="Cambria Math" panose="02040503050406030204" pitchFamily="18" charset="0"/>
                           </a:rPr>
                           <m:t>𝑗</m:t>
                         </m:r>
@@ -8604,14 +8620,14 @@
                       <m:sSubPr>
                         <m:ctrlPr>
                           <a:rPr lang="en-US" altLang="zh-CN" sz="1000" i="1">
-                            <a:latin typeface="+mn-ea"/>
+                            <a:latin typeface="Cambria Math" panose="02040503050406030204" pitchFamily="18" charset="0"/>
                           </a:rPr>
                         </m:ctrlPr>
                       </m:sSubPr>
                       <m:e>
                         <m:r>
                           <a:rPr lang="en-US" altLang="zh-CN" sz="1000" i="1">
-                            <a:latin typeface="+mn-ea"/>
+                            <a:latin typeface="Cambria Math" panose="02040503050406030204" pitchFamily="18" charset="0"/>
                           </a:rPr>
                           <m:t>𝑞</m:t>
                         </m:r>
@@ -8619,19 +8635,19 @@
                       <m:sub>
                         <m:r>
                           <a:rPr lang="en-US" altLang="zh-CN" sz="1000" i="1">
-                            <a:latin typeface="+mn-ea"/>
+                            <a:latin typeface="Cambria Math" panose="02040503050406030204" pitchFamily="18" charset="0"/>
                           </a:rPr>
                           <m:t>𝑖</m:t>
                         </m:r>
                         <m:r>
                           <a:rPr lang="en-US" altLang="zh-CN" sz="1000" i="1">
-                            <a:latin typeface="+mn-ea"/>
+                            <a:latin typeface="Cambria Math" panose="02040503050406030204" pitchFamily="18" charset="0"/>
                           </a:rPr>
                           <m:t>,</m:t>
                         </m:r>
                         <m:r>
                           <a:rPr lang="en-US" altLang="zh-CN" sz="1000" i="1">
-                            <a:latin typeface="+mn-ea"/>
+                            <a:latin typeface="Cambria Math" panose="02040503050406030204" pitchFamily="18" charset="0"/>
                           </a:rPr>
                           <m:t>𝑗</m:t>
                         </m:r>
@@ -8649,7 +8665,7 @@
                   <m:oMath xmlns:m="http://schemas.openxmlformats.org/officeDocument/2006/math">
                     <m:r>
                       <a:rPr lang="zh-CN" altLang="en-US" sz="1000" b="0" i="1" smtClean="0">
-                        <a:latin typeface="+mn-ea"/>
+                        <a:latin typeface="Cambria Math" panose="02040503050406030204" pitchFamily="18" charset="0"/>
                       </a:rPr>
                       <m:t>𝜋</m:t>
                     </m:r>
@@ -8701,7 +8717,7 @@
                   <m:oMath xmlns:m="http://schemas.openxmlformats.org/officeDocument/2006/math">
                     <m:r>
                       <a:rPr lang="zh-CN" altLang="en-US" sz="1000" b="0" i="1" smtClean="0">
-                        <a:latin typeface="+mn-ea"/>
+                        <a:latin typeface="Cambria Math" panose="02040503050406030204" pitchFamily="18" charset="0"/>
                       </a:rPr>
                       <m:t>𝜋</m:t>
                     </m:r>
@@ -8734,14 +8750,14 @@
                       <m:sSubPr>
                         <m:ctrlPr>
                           <a:rPr lang="en-US" altLang="zh-CN" sz="1000" i="1" smtClean="0">
-                            <a:latin typeface="+mn-ea"/>
+                            <a:latin typeface="Cambria Math" panose="02040503050406030204" pitchFamily="18" charset="0"/>
                           </a:rPr>
                         </m:ctrlPr>
                       </m:sSubPr>
                       <m:e>
                         <m:r>
                           <a:rPr lang="zh-CN" altLang="en-US" sz="1000" i="1">
-                            <a:latin typeface="+mn-ea"/>
+                            <a:latin typeface="Cambria Math" panose="02040503050406030204" pitchFamily="18" charset="0"/>
                           </a:rPr>
                           <m:t>𝛼</m:t>
                         </m:r>
@@ -8749,19 +8765,19 @@
                       <m:sub>
                         <m:r>
                           <a:rPr lang="en-US" altLang="zh-CN" sz="1000" i="1">
-                            <a:latin typeface="+mn-ea"/>
+                            <a:latin typeface="Cambria Math" panose="02040503050406030204" pitchFamily="18" charset="0"/>
                           </a:rPr>
                           <m:t>𝑖</m:t>
                         </m:r>
                         <m:r>
                           <a:rPr lang="en-US" altLang="zh-CN" sz="1000" i="1">
-                            <a:latin typeface="+mn-ea"/>
+                            <a:latin typeface="Cambria Math" panose="02040503050406030204" pitchFamily="18" charset="0"/>
                           </a:rPr>
                           <m:t>,</m:t>
                         </m:r>
                         <m:r>
                           <a:rPr lang="en-US" altLang="zh-CN" sz="1000" i="1">
-                            <a:latin typeface="+mn-ea"/>
+                            <a:latin typeface="Cambria Math" panose="02040503050406030204" pitchFamily="18" charset="0"/>
                           </a:rPr>
                           <m:t>𝑗</m:t>
                         </m:r>
@@ -8779,7 +8795,7 @@
             </p:txBody>
           </p:sp>
         </mc:Choice>
-        <mc:Fallback>
+        <mc:Fallback xmlns="">
           <p:sp>
             <p:nvSpPr>
               <p:cNvPr id="103" name="文本框 102">
@@ -8972,13 +8988,13 @@
                   <m:oMath xmlns:m="http://schemas.openxmlformats.org/officeDocument/2006/math">
                     <m:r>
                       <a:rPr lang="en-US" altLang="zh-CN" sz="1000" b="1" i="0" smtClean="0">
-                        <a:latin typeface="+mn-ea"/>
+                        <a:latin typeface="Cambria Math" panose="02040503050406030204" pitchFamily="18" charset="0"/>
                       </a:rPr>
                       <m:t> </m:t>
                     </m:r>
                     <m:r>
                       <a:rPr lang="zh-CN" altLang="en-US" sz="1000" i="1" smtClean="0">
-                        <a:latin typeface="+mn-ea"/>
+                        <a:latin typeface="Cambria Math" panose="02040503050406030204" pitchFamily="18" charset="0"/>
                       </a:rPr>
                       <m:t>𝜋</m:t>
                     </m:r>
@@ -9006,32 +9022,24 @@
                   <a:buAutoNum type="arabicPeriod"/>
                 </a:pPr>
                 <a:r>
-                  <a:rPr lang="en-US" altLang="zh-CN" sz="1000" b="1" dirty="0">
-                    <a:latin typeface="+mn-ea"/>
-                  </a:rPr>
+                  <a:rPr lang="zh-CN" altLang="en-US" sz="1000" b="1" dirty="0"/>
                   <a:t> </a:t>
                 </a:r>
                 <a14:m>
                   <m:oMath xmlns:m="http://schemas.openxmlformats.org/officeDocument/2006/math">
                     <m:r>
-                      <a:rPr lang="en-US" altLang="zh-CN" sz="1000" b="0" i="1" dirty="0" smtClean="0">
-                        <a:latin typeface="+mn-ea"/>
+                      <a:rPr lang="zh-CN" altLang="en-US" sz="1000" i="1">
+                        <a:latin typeface="Cambria Math" panose="02040503050406030204" pitchFamily="18" charset="0"/>
                       </a:rPr>
-                      <m:t>𝑄</m:t>
+                      <m:t>𝜃</m:t>
                     </m:r>
                   </m:oMath>
                 </a14:m>
                 <a:r>
-                  <a:rPr lang="en-US" altLang="zh-CN" sz="1000" b="1" dirty="0">
-                    <a:latin typeface="+mn-ea"/>
-                  </a:rPr>
-                  <a:t>: </a:t>
-                </a:r>
-                <a:r>
                   <a:rPr lang="zh-CN" altLang="en-US" sz="1000" b="1" dirty="0">
                     <a:latin typeface="+mn-ea"/>
                   </a:rPr>
-                  <a:t>简单，易采样</a:t>
+                  <a:t>：简单，易采样</a:t>
                 </a:r>
               </a:p>
             </p:txBody>
@@ -9063,7 +9071,7 @@
               <a:blipFill>
                 <a:blip r:embed="rId16"/>
                 <a:stretch>
-                  <a:fillRect b="-6410"/>
+                  <a:fillRect b="-7692"/>
                 </a:stretch>
               </a:blipFill>
             </p:spPr>
@@ -9167,8 +9175,8 @@
           </a:fontRef>
         </p:style>
       </p:cxnSp>
-      <mc:AlternateContent xmlns:mc="http://schemas.openxmlformats.org/markup-compatibility/2006">
-        <mc:Choice xmlns:a14="http://schemas.microsoft.com/office/drawing/2010/main" Requires="a14">
+      <mc:AlternateContent xmlns:mc="http://schemas.openxmlformats.org/markup-compatibility/2006" xmlns:a14="http://schemas.microsoft.com/office/drawing/2010/main">
+        <mc:Choice Requires="a14">
           <p:sp>
             <p:nvSpPr>
               <p:cNvPr id="112" name="文本框 111">
@@ -9276,7 +9284,7 @@
             </p:txBody>
           </p:sp>
         </mc:Choice>
-        <mc:Fallback>
+        <mc:Fallback xmlns="">
           <p:sp>
             <p:nvSpPr>
               <p:cNvPr id="112" name="文本框 111">
